--- a/reference_material/slides/008_Analytical_Distributions.pptx
+++ b/reference_material/slides/008_Analytical_Distributions.pptx
@@ -14,10 +14,11 @@
     <p:sldId id="267" r:id="rId8"/>
     <p:sldId id="261" r:id="rId9"/>
     <p:sldId id="265" r:id="rId10"/>
-    <p:sldId id="263" r:id="rId11"/>
-    <p:sldId id="266" r:id="rId12"/>
-    <p:sldId id="264" r:id="rId13"/>
-    <p:sldId id="268" r:id="rId14"/>
+    <p:sldId id="269" r:id="rId11"/>
+    <p:sldId id="263" r:id="rId12"/>
+    <p:sldId id="266" r:id="rId13"/>
+    <p:sldId id="264" r:id="rId14"/>
+    <p:sldId id="268" r:id="rId15"/>
   </p:sldIdLst>
   <p:sldSz cx="12192000" cy="6858000"/>
   <p:notesSz cx="6858000" cy="9144000"/>
@@ -263,7 +264,7 @@
           <a:p>
             <a:fld id="{2309A392-0DC8-8B49-8A0A-4A3C1972ED88}" type="datetimeFigureOut">
               <a:rPr lang="en-US" smtClean="0"/>
-              <a:t>9/20/21</a:t>
+              <a:t>9/23/22</a:t>
             </a:fld>
             <a:endParaRPr lang="en-US"/>
           </a:p>
@@ -474,7 +475,7 @@
           <a:p>
             <a:fld id="{2309A392-0DC8-8B49-8A0A-4A3C1972ED88}" type="datetimeFigureOut">
               <a:rPr lang="en-US" smtClean="0"/>
-              <a:t>9/20/21</a:t>
+              <a:t>9/23/22</a:t>
             </a:fld>
             <a:endParaRPr lang="en-US"/>
           </a:p>
@@ -689,7 +690,7 @@
           <a:p>
             <a:fld id="{2309A392-0DC8-8B49-8A0A-4A3C1972ED88}" type="datetimeFigureOut">
               <a:rPr lang="en-US" smtClean="0"/>
-              <a:t>9/20/21</a:t>
+              <a:t>9/23/22</a:t>
             </a:fld>
             <a:endParaRPr lang="en-US"/>
           </a:p>
@@ -890,7 +891,7 @@
           <a:p>
             <a:fld id="{2309A392-0DC8-8B49-8A0A-4A3C1972ED88}" type="datetimeFigureOut">
               <a:rPr lang="en-US" smtClean="0"/>
-              <a:t>9/20/21</a:t>
+              <a:t>9/23/22</a:t>
             </a:fld>
             <a:endParaRPr lang="en-US"/>
           </a:p>
@@ -1169,7 +1170,7 @@
           <a:p>
             <a:fld id="{2309A392-0DC8-8B49-8A0A-4A3C1972ED88}" type="datetimeFigureOut">
               <a:rPr lang="en-US" smtClean="0"/>
-              <a:t>9/20/21</a:t>
+              <a:t>9/23/22</a:t>
             </a:fld>
             <a:endParaRPr lang="en-US"/>
           </a:p>
@@ -1437,7 +1438,7 @@
           <a:p>
             <a:fld id="{2309A392-0DC8-8B49-8A0A-4A3C1972ED88}" type="datetimeFigureOut">
               <a:rPr lang="en-US" smtClean="0"/>
-              <a:t>9/20/21</a:t>
+              <a:t>9/23/22</a:t>
             </a:fld>
             <a:endParaRPr lang="en-US"/>
           </a:p>
@@ -1853,7 +1854,7 @@
           <a:p>
             <a:fld id="{2309A392-0DC8-8B49-8A0A-4A3C1972ED88}" type="datetimeFigureOut">
               <a:rPr lang="en-US" smtClean="0"/>
-              <a:t>9/20/21</a:t>
+              <a:t>9/23/22</a:t>
             </a:fld>
             <a:endParaRPr lang="en-US"/>
           </a:p>
@@ -2002,7 +2003,7 @@
           <a:p>
             <a:fld id="{2309A392-0DC8-8B49-8A0A-4A3C1972ED88}" type="datetimeFigureOut">
               <a:rPr lang="en-US" smtClean="0"/>
-              <a:t>9/20/21</a:t>
+              <a:t>9/23/22</a:t>
             </a:fld>
             <a:endParaRPr lang="en-US"/>
           </a:p>
@@ -2128,7 +2129,7 @@
           <a:p>
             <a:fld id="{2309A392-0DC8-8B49-8A0A-4A3C1972ED88}" type="datetimeFigureOut">
               <a:rPr lang="en-US" smtClean="0"/>
-              <a:t>9/20/21</a:t>
+              <a:t>9/23/22</a:t>
             </a:fld>
             <a:endParaRPr lang="en-US"/>
           </a:p>
@@ -2379,7 +2380,7 @@
           <a:p>
             <a:fld id="{2309A392-0DC8-8B49-8A0A-4A3C1972ED88}" type="datetimeFigureOut">
               <a:rPr lang="en-US" smtClean="0"/>
-              <a:t>9/20/21</a:t>
+              <a:t>9/23/22</a:t>
             </a:fld>
             <a:endParaRPr lang="en-US"/>
           </a:p>
@@ -2824,7 +2825,7 @@
           <a:p>
             <a:fld id="{2309A392-0DC8-8B49-8A0A-4A3C1972ED88}" type="datetimeFigureOut">
               <a:rPr lang="en-US" smtClean="0"/>
-              <a:t>9/20/21</a:t>
+              <a:t>9/23/22</a:t>
             </a:fld>
             <a:endParaRPr lang="en-US"/>
           </a:p>
@@ -3151,7 +3152,7 @@
           <a:p>
             <a:fld id="{2309A392-0DC8-8B49-8A0A-4A3C1972ED88}" type="datetimeFigureOut">
               <a:rPr lang="en-US" smtClean="0"/>
-              <a:t>9/20/21</a:t>
+              <a:t>9/23/22</a:t>
             </a:fld>
             <a:endParaRPr lang="en-US"/>
           </a:p>
@@ -3725,6 +3726,170 @@
           <p:cNvPr id="2" name="Title 1">
             <a:extLst>
               <a:ext uri="{FF2B5EF4-FFF2-40B4-BE49-F238E27FC236}">
+                <a16:creationId xmlns:a16="http://schemas.microsoft.com/office/drawing/2014/main" id="{5B2DEB1A-3910-CAEF-2C2C-671EA3E1C8C3}"/>
+              </a:ext>
+            </a:extLst>
+          </p:cNvPr>
+          <p:cNvSpPr>
+            <a:spLocks noGrp="1"/>
+          </p:cNvSpPr>
+          <p:nvPr>
+            <p:ph type="title"/>
+          </p:nvPr>
+        </p:nvSpPr>
+        <p:spPr/>
+        <p:txBody>
+          <a:bodyPr/>
+          <a:lstStyle/>
+          <a:p>
+            <a:r>
+              <a:rPr lang="en-US" dirty="0"/>
+              <a:t>Exponential Distribution</a:t>
+            </a:r>
+          </a:p>
+        </p:txBody>
+      </p:sp>
+      <p:sp>
+        <p:nvSpPr>
+          <p:cNvPr id="3" name="Content Placeholder 2">
+            <a:extLst>
+              <a:ext uri="{FF2B5EF4-FFF2-40B4-BE49-F238E27FC236}">
+                <a16:creationId xmlns:a16="http://schemas.microsoft.com/office/drawing/2014/main" id="{C1D0D8FF-D580-F956-C863-2FEF397410B6}"/>
+              </a:ext>
+            </a:extLst>
+          </p:cNvPr>
+          <p:cNvSpPr>
+            <a:spLocks noGrp="1"/>
+          </p:cNvSpPr>
+          <p:nvPr>
+            <p:ph idx="1"/>
+          </p:nvPr>
+        </p:nvSpPr>
+        <p:spPr>
+          <a:xfrm>
+            <a:off x="663677" y="2015732"/>
+            <a:ext cx="5514939" cy="3450613"/>
+          </a:xfrm>
+        </p:spPr>
+        <p:txBody>
+          <a:bodyPr/>
+          <a:lstStyle/>
+          <a:p>
+            <a:r>
+              <a:rPr lang="en-US" dirty="0"/>
+              <a:t>The plot of exponential growth (normally shown over time) looks like a hockey stick. </a:t>
+            </a:r>
+          </a:p>
+          <a:p>
+            <a:r>
+              <a:rPr lang="en-US" dirty="0"/>
+              <a:t>The histogram/</a:t>
+            </a:r>
+            <a:r>
+              <a:rPr lang="en-US" dirty="0" err="1"/>
+              <a:t>pmf</a:t>
+            </a:r>
+            <a:r>
+              <a:rPr lang="en-US" dirty="0"/>
+              <a:t>/pdf function is the “opposite”:</a:t>
+            </a:r>
+          </a:p>
+          <a:p>
+            <a:pPr lvl="1"/>
+            <a:r>
+              <a:rPr lang="en-US" dirty="0"/>
+              <a:t>Lots of small values. (The flat, early part). </a:t>
+            </a:r>
+          </a:p>
+          <a:p>
+            <a:pPr lvl="1"/>
+            <a:r>
+              <a:rPr lang="en-US" dirty="0"/>
+              <a:t>A few large values. (The “climbing” part). </a:t>
+            </a:r>
+          </a:p>
+        </p:txBody>
+      </p:sp>
+      <p:pic>
+        <p:nvPicPr>
+          <p:cNvPr id="1026" name="Picture 2" descr="plot of the probability density function of the exponential distribution">
+            <a:extLst>
+              <a:ext uri="{FF2B5EF4-FFF2-40B4-BE49-F238E27FC236}">
+                <a16:creationId xmlns:a16="http://schemas.microsoft.com/office/drawing/2014/main" id="{6C7D26DD-5554-9114-A879-460661FFB3A0}"/>
+              </a:ext>
+            </a:extLst>
+          </p:cNvPr>
+          <p:cNvPicPr>
+            <a:picLocks noChangeAspect="1" noChangeArrowheads="1"/>
+          </p:cNvPicPr>
+          <p:nvPr/>
+        </p:nvPicPr>
+        <p:blipFill rotWithShape="1">
+          <a:blip r:embed="rId2">
+            <a:extLst>
+              <a:ext uri="{28A0092B-C50C-407E-A947-70E740481C1C}">
+                <a14:useLocalDpi xmlns:a14="http://schemas.microsoft.com/office/drawing/2010/main" val="0"/>
+              </a:ext>
+            </a:extLst>
+          </a:blip>
+          <a:srcRect t="7447" r="5578" b="7185"/>
+          <a:stretch/>
+        </p:blipFill>
+        <p:spPr bwMode="auto">
+          <a:xfrm>
+            <a:off x="6178616" y="1853754"/>
+            <a:ext cx="6013384" cy="4349443"/>
+          </a:xfrm>
+          <a:prstGeom prst="rect">
+            <a:avLst/>
+          </a:prstGeom>
+          <a:noFill/>
+          <a:extLst>
+            <a:ext uri="{909E8E84-426E-40DD-AFC4-6F175D3DCCD1}">
+              <a14:hiddenFill xmlns:a14="http://schemas.microsoft.com/office/drawing/2010/main">
+                <a:solidFill>
+                  <a:srgbClr val="FFFFFF"/>
+                </a:solidFill>
+              </a14:hiddenFill>
+            </a:ext>
+          </a:extLst>
+        </p:spPr>
+      </p:pic>
+    </p:spTree>
+    <p:extLst>
+      <p:ext uri="{BB962C8B-B14F-4D97-AF65-F5344CB8AC3E}">
+        <p14:creationId xmlns:p14="http://schemas.microsoft.com/office/powerpoint/2010/main" val="3914195842"/>
+      </p:ext>
+    </p:extLst>
+  </p:cSld>
+  <p:clrMapOvr>
+    <a:masterClrMapping/>
+  </p:clrMapOvr>
+</p:sld>
+</file>
+
+<file path=ppt/slides/slide11.xml><?xml version="1.0" encoding="utf-8"?>
+<p:sld xmlns:a="http://schemas.openxmlformats.org/drawingml/2006/main" xmlns:r="http://schemas.openxmlformats.org/officeDocument/2006/relationships" xmlns:p="http://schemas.openxmlformats.org/presentationml/2006/main">
+  <p:cSld>
+    <p:spTree>
+      <p:nvGrpSpPr>
+        <p:cNvPr id="1" name=""/>
+        <p:cNvGrpSpPr/>
+        <p:nvPr/>
+      </p:nvGrpSpPr>
+      <p:grpSpPr>
+        <a:xfrm>
+          <a:off x="0" y="0"/>
+          <a:ext cx="0" cy="0"/>
+          <a:chOff x="0" y="0"/>
+          <a:chExt cx="0" cy="0"/>
+        </a:xfrm>
+      </p:grpSpPr>
+      <p:sp>
+        <p:nvSpPr>
+          <p:cNvPr id="2" name="Title 1">
+            <a:extLst>
+              <a:ext uri="{FF2B5EF4-FFF2-40B4-BE49-F238E27FC236}">
                 <a16:creationId xmlns:a16="http://schemas.microsoft.com/office/drawing/2014/main" id="{3A8EF875-5449-C54D-8493-0CAA0A5AAB3B}"/>
               </a:ext>
             </a:extLst>
@@ -3863,7 +4028,7 @@
 </p:sld>
 </file>
 
-<file path=ppt/slides/slide11.xml><?xml version="1.0" encoding="utf-8"?>
+<file path=ppt/slides/slide12.xml><?xml version="1.0" encoding="utf-8"?>
 <p:sld xmlns:a="http://schemas.openxmlformats.org/drawingml/2006/main" xmlns:r="http://schemas.openxmlformats.org/officeDocument/2006/relationships" xmlns:p="http://schemas.openxmlformats.org/presentationml/2006/main">
   <p:cSld>
     <p:bg>
@@ -4254,7 +4419,7 @@
 </p:sld>
 </file>
 
-<file path=ppt/slides/slide12.xml><?xml version="1.0" encoding="utf-8"?>
+<file path=ppt/slides/slide13.xml><?xml version="1.0" encoding="utf-8"?>
 <p:sld xmlns:a="http://schemas.openxmlformats.org/drawingml/2006/main" xmlns:r="http://schemas.openxmlformats.org/officeDocument/2006/relationships" xmlns:p="http://schemas.openxmlformats.org/presentationml/2006/main">
   <p:cSld>
     <p:spTree>
@@ -4315,9 +4480,16 @@
             <p:ph idx="1"/>
           </p:nvPr>
         </p:nvSpPr>
-        <p:spPr/>
-        <p:txBody>
-          <a:bodyPr/>
+        <p:spPr>
+          <a:xfrm>
+            <a:off x="213853" y="2015732"/>
+            <a:ext cx="5198805" cy="3942616"/>
+          </a:xfrm>
+        </p:spPr>
+        <p:txBody>
+          <a:bodyPr>
+            <a:normAutofit/>
+          </a:bodyPr>
           <a:lstStyle/>
           <a:p>
             <a:r>
@@ -4348,6 +4520,51 @@
           </a:p>
         </p:txBody>
       </p:sp>
+      <p:pic>
+        <p:nvPicPr>
+          <p:cNvPr id="2050" name="Picture 2" descr="All Models Are Wrong, Some Are Very Wrong!">
+            <a:extLst>
+              <a:ext uri="{FF2B5EF4-FFF2-40B4-BE49-F238E27FC236}">
+                <a16:creationId xmlns:a16="http://schemas.microsoft.com/office/drawing/2014/main" id="{BEA6BC59-B82B-79D1-F97C-62B1C7C775C4}"/>
+              </a:ext>
+            </a:extLst>
+          </p:cNvPr>
+          <p:cNvPicPr>
+            <a:picLocks noChangeAspect="1" noChangeArrowheads="1"/>
+          </p:cNvPicPr>
+          <p:nvPr/>
+        </p:nvPicPr>
+        <p:blipFill rotWithShape="1">
+          <a:blip r:embed="rId2">
+            <a:extLst>
+              <a:ext uri="{28A0092B-C50C-407E-A947-70E740481C1C}">
+                <a14:useLocalDpi xmlns:a14="http://schemas.microsoft.com/office/drawing/2010/main" val="0"/>
+              </a:ext>
+            </a:extLst>
+          </a:blip>
+          <a:srcRect b="12694"/>
+          <a:stretch/>
+        </p:blipFill>
+        <p:spPr bwMode="auto">
+          <a:xfrm>
+            <a:off x="5412658" y="2408962"/>
+            <a:ext cx="6723957" cy="3156155"/>
+          </a:xfrm>
+          <a:prstGeom prst="rect">
+            <a:avLst/>
+          </a:prstGeom>
+          <a:noFill/>
+          <a:extLst>
+            <a:ext uri="{909E8E84-426E-40DD-AFC4-6F175D3DCCD1}">
+              <a14:hiddenFill xmlns:a14="http://schemas.microsoft.com/office/drawing/2010/main">
+                <a:solidFill>
+                  <a:srgbClr val="FFFFFF"/>
+                </a:solidFill>
+              </a14:hiddenFill>
+            </a:ext>
+          </a:extLst>
+        </p:spPr>
+      </p:pic>
     </p:spTree>
     <p:extLst>
       <p:ext uri="{BB962C8B-B14F-4D97-AF65-F5344CB8AC3E}">
@@ -4361,7 +4578,7 @@
 </p:sld>
 </file>
 
-<file path=ppt/slides/slide13.xml><?xml version="1.0" encoding="utf-8"?>
+<file path=ppt/slides/slide14.xml><?xml version="1.0" encoding="utf-8"?>
 <p:sld xmlns:a="http://schemas.openxmlformats.org/drawingml/2006/main" xmlns:r="http://schemas.openxmlformats.org/officeDocument/2006/relationships" xmlns:p="http://schemas.openxmlformats.org/presentationml/2006/main">
   <p:cSld>
     <p:bg>
@@ -4637,8 +4854,8 @@
         </p:nvSpPr>
         <p:spPr>
           <a:xfrm>
-            <a:off x="1451581" y="2015732"/>
-            <a:ext cx="4172212" cy="3450613"/>
+            <a:off x="523568" y="2015732"/>
+            <a:ext cx="5100225" cy="3890994"/>
           </a:xfrm>
         </p:spPr>
         <p:txBody>
@@ -4650,6 +4867,30 @@
             <a:r>
               <a:rPr lang="en-US" dirty="0"/>
               <a:t>If someone is 67 inches tall, how much do they weigh? </a:t>
+            </a:r>
+          </a:p>
+          <a:p>
+            <a:r>
+              <a:rPr lang="en-US" dirty="0"/>
+              <a:t>Blue dots are the empirical data. </a:t>
+            </a:r>
+          </a:p>
+          <a:p>
+            <a:r>
+              <a:rPr lang="en-US" dirty="0"/>
+              <a:t>Red line is model (best fit). </a:t>
+            </a:r>
+          </a:p>
+          <a:p>
+            <a:r>
+              <a:rPr lang="en-US" dirty="0"/>
+              <a:t>We don’t have empirical data on the weight of a 67 inch person. </a:t>
+            </a:r>
+          </a:p>
+          <a:p>
+            <a:r>
+              <a:rPr lang="en-US" dirty="0"/>
+              <a:t>We do have a model that gives us an estimate, based on the empirical data. </a:t>
             </a:r>
           </a:p>
         </p:txBody>
@@ -4885,6 +5126,12 @@
           <a:p>
             <a:r>
               <a:rPr lang="en-US" dirty="0"/>
+              <a:t>Empirical distributions are the distributions of our actual data sample. </a:t>
+            </a:r>
+          </a:p>
+          <a:p>
+            <a:r>
+              <a:rPr lang="en-US" dirty="0"/>
               <a:t>Empirical:</a:t>
             </a:r>
           </a:p>
@@ -5013,8 +5260,61 @@
               <a:t>The models of analytical distributions are simplifications of the distributions we can observe in data.  </a:t>
             </a:r>
           </a:p>
-        </p:txBody>
-      </p:sp>
+          <a:p>
+            <a:r>
+              <a:rPr lang="en-US" dirty="0"/>
+              <a:t>E.g. a normal distribution is: </a:t>
+            </a:r>
+          </a:p>
+        </p:txBody>
+      </p:sp>
+      <p:pic>
+        <p:nvPicPr>
+          <p:cNvPr id="3076" name="Picture 4" descr="What Is a Normal Distribution?">
+            <a:extLst>
+              <a:ext uri="{FF2B5EF4-FFF2-40B4-BE49-F238E27FC236}">
+                <a16:creationId xmlns:a16="http://schemas.microsoft.com/office/drawing/2014/main" id="{D0AB4B37-BD5D-30CB-0645-2B4D5ABDC8B3}"/>
+              </a:ext>
+            </a:extLst>
+          </p:cNvPr>
+          <p:cNvPicPr>
+            <a:picLocks noChangeAspect="1" noChangeArrowheads="1"/>
+          </p:cNvPicPr>
+          <p:nvPr/>
+        </p:nvPicPr>
+        <p:blipFill>
+          <a:blip r:embed="rId2">
+            <a:extLst>
+              <a:ext uri="{28A0092B-C50C-407E-A947-70E740481C1C}">
+                <a14:useLocalDpi xmlns:a14="http://schemas.microsoft.com/office/drawing/2010/main" val="0"/>
+              </a:ext>
+            </a:extLst>
+          </a:blip>
+          <a:srcRect/>
+          <a:stretch>
+            <a:fillRect/>
+          </a:stretch>
+        </p:blipFill>
+        <p:spPr bwMode="auto">
+          <a:xfrm>
+            <a:off x="5855302" y="4793226"/>
+            <a:ext cx="6093349" cy="1824038"/>
+          </a:xfrm>
+          <a:prstGeom prst="rect">
+            <a:avLst/>
+          </a:prstGeom>
+          <a:noFill/>
+          <a:extLst>
+            <a:ext uri="{909E8E84-426E-40DD-AFC4-6F175D3DCCD1}">
+              <a14:hiddenFill xmlns:a14="http://schemas.microsoft.com/office/drawing/2010/main">
+                <a:solidFill>
+                  <a:srgbClr val="FFFFFF"/>
+                </a:solidFill>
+              </a14:hiddenFill>
+            </a:ext>
+          </a:extLst>
+        </p:spPr>
+      </p:pic>
     </p:spTree>
     <p:extLst>
       <p:ext uri="{BB962C8B-B14F-4D97-AF65-F5344CB8AC3E}">
@@ -5089,7 +5389,12 @@
             <p:ph idx="1"/>
           </p:nvPr>
         </p:nvSpPr>
-        <p:spPr/>
+        <p:spPr>
+          <a:xfrm>
+            <a:off x="1451579" y="2015732"/>
+            <a:ext cx="9603275" cy="4037749"/>
+          </a:xfrm>
+        </p:spPr>
         <p:txBody>
           <a:bodyPr/>
           <a:lstStyle/>
@@ -5106,7 +5411,25 @@
             </a:r>
           </a:p>
           <a:p>
-            <a:endParaRPr lang="en-US" dirty="0"/>
+            <a:pPr lvl="1"/>
+            <a:r>
+              <a:rPr lang="en-US" dirty="0"/>
+              <a:t>The normal distribution on the previous slide is defined by mean and standard dev. </a:t>
+            </a:r>
+          </a:p>
+          <a:p>
+            <a:pPr lvl="1"/>
+            <a:r>
+              <a:rPr lang="en-US" dirty="0"/>
+              <a:t>If our empirical distribution is normal, we can make a “matching” one from the mean and std.</a:t>
+            </a:r>
+          </a:p>
+          <a:p>
+            <a:pPr lvl="1"/>
+            <a:r>
+              <a:rPr lang="en-US" dirty="0"/>
+              <a:t>Generalizing from our sample to a broad definition of the distribution. </a:t>
+            </a:r>
           </a:p>
           <a:p>
             <a:r>
@@ -5678,7 +6001,12 @@
             <p:ph idx="1"/>
           </p:nvPr>
         </p:nvSpPr>
-        <p:spPr/>
+        <p:spPr>
+          <a:xfrm>
+            <a:off x="1451579" y="2015732"/>
+            <a:ext cx="9603275" cy="4037749"/>
+          </a:xfrm>
+        </p:spPr>
         <p:txBody>
           <a:bodyPr/>
           <a:lstStyle/>
@@ -5703,12 +6031,52 @@
             </a:r>
           </a:p>
           <a:p>
-            <a:endParaRPr lang="en-US" dirty="0"/>
-          </a:p>
-          <a:p>
-            <a:r>
-              <a:rPr lang="en-US" dirty="0"/>
-              <a:t>Central Limit Theorem – As you get more data, the distribution becomes normal. (Lots of the time, not universally). More on this later. </a:t>
+            <a:r>
+              <a:rPr lang="en-US" dirty="0"/>
+              <a:t>Key normal distribution facts:</a:t>
+            </a:r>
+          </a:p>
+          <a:p>
+            <a:pPr lvl="1"/>
+            <a:r>
+              <a:rPr lang="en-US" dirty="0"/>
+              <a:t>Symmetrical on either side of the mean.</a:t>
+            </a:r>
+          </a:p>
+          <a:p>
+            <a:pPr lvl="1"/>
+            <a:r>
+              <a:rPr lang="en-US" dirty="0"/>
+              <a:t>Median and mean are equal. </a:t>
+            </a:r>
+          </a:p>
+          <a:p>
+            <a:pPr lvl="1"/>
+            <a:r>
+              <a:rPr lang="en-US" dirty="0"/>
+              <a:t>Defined by standard deviation and mean. </a:t>
+            </a:r>
+          </a:p>
+          <a:p>
+            <a:pPr lvl="1"/>
+            <a:r>
+              <a:rPr lang="en-US" dirty="0"/>
+              <a:t>Known amounts fall within X standard deviations (~68%, 97%, 99%, </a:t>
+            </a:r>
+            <a:r>
+              <a:rPr lang="en-US" dirty="0" err="1"/>
+              <a:t>etc</a:t>
+            </a:r>
+            <a:r>
+              <a:rPr lang="en-US" dirty="0"/>
+              <a:t>…)</a:t>
+            </a:r>
+          </a:p>
+          <a:p>
+            <a:pPr lvl="2"/>
+            <a:r>
+              <a:rPr lang="en-US" dirty="0"/>
+              <a:t>We can use this to estimate how many records we can expect to fall in a range. </a:t>
             </a:r>
           </a:p>
           <a:p>
@@ -6010,8 +6378,8 @@
         </p:nvSpPr>
         <p:spPr>
           <a:xfrm>
-            <a:off x="1451581" y="2015732"/>
-            <a:ext cx="4172212" cy="3450613"/>
+            <a:off x="589935" y="2015732"/>
+            <a:ext cx="5033858" cy="3450613"/>
           </a:xfrm>
         </p:spPr>
         <p:txBody>
@@ -6030,6 +6398,18 @@
               <a:rPr lang="en-US" dirty="0"/>
               <a:t>They have a longer right side tail. </a:t>
             </a:r>
+          </a:p>
+          <a:p>
+            <a:pPr lvl="1"/>
+            <a:r>
+              <a:rPr lang="en-US" dirty="0"/>
+              <a:t>It is </a:t>
+            </a:r>
+            <a:r>
+              <a:rPr lang="en-US"/>
+              <a:t>“skewed”. </a:t>
+            </a:r>
+            <a:endParaRPr lang="en-US" dirty="0"/>
           </a:p>
           <a:p>
             <a:r>
